--- a/presentation/initial_proposal.pptx
+++ b/presentation/initial_proposal.pptx
@@ -278,7 +278,7 @@
               <a:pPr>
                 <a:defRPr/>
               </a:pPr>
-              <a:t>10/6/2020</a:t>
+              <a:t>10/8/2020</a:t>
             </a:fld>
             <a:endParaRPr lang="en-US"/>
           </a:p>
@@ -533,7 +533,7 @@
               </a14:hiddenFill>
             </a:ext>
             <a:ext uri="{FAA26D3D-D897-4be2-8F04-BA451C77F1D7}">
-              <ma14:placeholderFlag xmlns="" xmlns:ma14="http://schemas.microsoft.com/office/mac/drawingml/2011/main" val="1"/>
+              <ma14:placeholderFlag xmlns:ma14="http://schemas.microsoft.com/office/mac/drawingml/2011/main" xmlns="" val="1"/>
             </a:ext>
           </a:extLst>
         </p:spPr>
@@ -2706,7 +2706,7 @@
               </a14:hiddenLine>
             </a:ext>
             <a:ext uri="{FAA26D3D-D897-4be2-8F04-BA451C77F1D7}">
-              <ma14:placeholderFlag xmlns="" xmlns:ma14="http://schemas.microsoft.com/office/mac/drawingml/2011/main" val="1"/>
+              <ma14:placeholderFlag xmlns:ma14="http://schemas.microsoft.com/office/mac/drawingml/2011/main" xmlns="" val="1"/>
             </a:ext>
           </a:extLst>
         </p:spPr>
@@ -2767,7 +2767,7 @@
               </a14:hiddenLine>
             </a:ext>
             <a:ext uri="{FAA26D3D-D897-4be2-8F04-BA451C77F1D7}">
-              <ma14:placeholderFlag xmlns="" xmlns:ma14="http://schemas.microsoft.com/office/mac/drawingml/2011/main" val="1"/>
+              <ma14:placeholderFlag xmlns:ma14="http://schemas.microsoft.com/office/mac/drawingml/2011/main" xmlns="" val="1"/>
             </a:ext>
           </a:extLst>
         </p:spPr>
@@ -7287,9 +7287,21 @@
             </a:pPr>
             <a:r>
               <a:rPr lang="en-US" sz="900" dirty="0">
-                <a:hlinkClick r:id="rId5"/>
+                <a:hlinkClick r:id="rId6"/>
               </a:rPr>
-              <a:t>https://www.andrew.cmu.edu/user/yuezhao2/</a:t>
+              <a:t>https://www.andrew.cmu.edu/user/</a:t>
+            </a:r>
+            <a:r>
+              <a:rPr lang="en-US" altLang="zh-CN" sz="900" dirty="0">
+                <a:hlinkClick r:id="rId6"/>
+              </a:rPr>
+              <a:t>xiyanghu</a:t>
+            </a:r>
+            <a:r>
+              <a:rPr lang="en-US" sz="900" dirty="0">
+                <a:hlinkClick r:id="rId6"/>
+              </a:rPr>
+              <a:t>/</a:t>
             </a:r>
             <a:endParaRPr lang="en-US" sz="1200" kern="0" dirty="0">
               <a:solidFill>
@@ -7604,9 +7616,9 @@
             </a:pPr>
             <a:r>
               <a:rPr lang="en-US" sz="900" dirty="0">
-                <a:hlinkClick r:id="rId5"/>
+                <a:hlinkClick r:id="rId7"/>
               </a:rPr>
-              <a:t>https://sites.google.com/andrew.cmu.edu/wenwang//</a:t>
+              <a:t>https://sites.google.com/andrew.cmu.edu/wenwang/</a:t>
             </a:r>
             <a:endParaRPr lang="en-US" sz="700" kern="0" dirty="0">
               <a:solidFill>
